--- a/slides/T319_Regressão_Linear (Variações do formato da superfície de erro).pptx
+++ b/slides/T319_Regressão_Linear (Variações do formato da superfície de erro).pptx
@@ -4466,7 +4466,7 @@
         </p:blipFill>
         <p:spPr bwMode="auto">
           <a:xfrm>
-            <a:off x="4965305" y="3396429"/>
+            <a:off x="4965305" y="3416977"/>
             <a:ext cx="2261389" cy="2237061"/>
           </a:xfrm>
           <a:prstGeom prst="rect">
@@ -4676,8 +4676,8 @@
           </a:p>
         </p:txBody>
       </p:sp>
-      <mc:AlternateContent xmlns:mc="http://schemas.openxmlformats.org/markup-compatibility/2006">
-        <mc:Choice xmlns:a14="http://schemas.microsoft.com/office/drawing/2010/main" Requires="a14">
+      <mc:AlternateContent xmlns:mc="http://schemas.openxmlformats.org/markup-compatibility/2006" xmlns:a14="http://schemas.microsoft.com/office/drawing/2010/main">
+        <mc:Choice Requires="a14">
           <p:sp>
             <p:nvSpPr>
               <p:cNvPr id="3" name="Espaço Reservado para Conteúdo 2">
@@ -5120,7 +5120,7 @@
             </p:txBody>
           </p:sp>
         </mc:Choice>
-        <mc:Fallback>
+        <mc:Fallback xmlns="">
           <p:sp>
             <p:nvSpPr>
               <p:cNvPr id="3" name="Espaço Reservado para Conteúdo 2">
@@ -5222,8 +5222,8 @@
           </a:p>
         </p:txBody>
       </p:sp>
-      <mc:AlternateContent xmlns:mc="http://schemas.openxmlformats.org/markup-compatibility/2006">
-        <mc:Choice xmlns:a14="http://schemas.microsoft.com/office/drawing/2010/main" Requires="a14">
+      <mc:AlternateContent xmlns:mc="http://schemas.openxmlformats.org/markup-compatibility/2006" xmlns:a14="http://schemas.microsoft.com/office/drawing/2010/main">
+        <mc:Choice Requires="a14">
           <p:sp>
             <p:nvSpPr>
               <p:cNvPr id="3" name="Espaço Reservado para Conteúdo 2">
@@ -6245,7 +6245,7 @@
             </p:txBody>
           </p:sp>
         </mc:Choice>
-        <mc:Fallback>
+        <mc:Fallback xmlns="">
           <p:sp>
             <p:nvSpPr>
               <p:cNvPr id="3" name="Espaço Reservado para Conteúdo 2">

--- a/slides/T319_Regressão_Linear (Variações do formato da superfície de erro).pptx
+++ b/slides/T319_Regressão_Linear (Variações do formato da superfície de erro).pptx
@@ -5,7 +5,7 @@
     <p:sldMasterId id="2147483648" r:id="rId1"/>
   </p:sldMasterIdLst>
   <p:notesMasterIdLst>
-    <p:notesMasterId r:id="rId11"/>
+    <p:notesMasterId r:id="rId12"/>
   </p:notesMasterIdLst>
   <p:sldIdLst>
     <p:sldId id="259" r:id="rId2"/>
@@ -16,7 +16,8 @@
     <p:sldId id="498" r:id="rId7"/>
     <p:sldId id="510" r:id="rId8"/>
     <p:sldId id="511" r:id="rId9"/>
-    <p:sldId id="317" r:id="rId10"/>
+    <p:sldId id="512" r:id="rId10"/>
+    <p:sldId id="317" r:id="rId11"/>
   </p:sldIdLst>
   <p:sldSz cx="12192000" cy="6858000"/>
   <p:notesSz cx="6858000" cy="9144000"/>
@@ -532,7 +533,7 @@
           <a:p>
             <a:fld id="{DAF0AF11-6A8A-4E64-94F5-26D4FBA2A01D}" type="datetimeFigureOut">
               <a:rPr lang="nl-BE" smtClean="0"/>
-              <a:t>1/09/2023</a:t>
+              <a:t>22/10/2023</a:t>
             </a:fld>
             <a:endParaRPr lang="nl-BE"/>
           </a:p>
@@ -1585,7 +1586,7 @@
           <a:p>
             <a:fld id="{C80E15A5-E95B-43EB-9AC7-9A96397448C0}" type="datetimeFigureOut">
               <a:rPr lang="nl-BE" smtClean="0"/>
-              <a:t>1/09/2023</a:t>
+              <a:t>22/10/2023</a:t>
             </a:fld>
             <a:endParaRPr lang="nl-BE"/>
           </a:p>
@@ -1755,7 +1756,7 @@
           <a:p>
             <a:fld id="{C80E15A5-E95B-43EB-9AC7-9A96397448C0}" type="datetimeFigureOut">
               <a:rPr lang="nl-BE" smtClean="0"/>
-              <a:t>1/09/2023</a:t>
+              <a:t>22/10/2023</a:t>
             </a:fld>
             <a:endParaRPr lang="nl-BE"/>
           </a:p>
@@ -1935,7 +1936,7 @@
           <a:p>
             <a:fld id="{C80E15A5-E95B-43EB-9AC7-9A96397448C0}" type="datetimeFigureOut">
               <a:rPr lang="nl-BE" smtClean="0"/>
-              <a:t>1/09/2023</a:t>
+              <a:t>22/10/2023</a:t>
             </a:fld>
             <a:endParaRPr lang="nl-BE"/>
           </a:p>
@@ -2105,7 +2106,7 @@
           <a:p>
             <a:fld id="{C80E15A5-E95B-43EB-9AC7-9A96397448C0}" type="datetimeFigureOut">
               <a:rPr lang="nl-BE" smtClean="0"/>
-              <a:t>1/09/2023</a:t>
+              <a:t>22/10/2023</a:t>
             </a:fld>
             <a:endParaRPr lang="nl-BE"/>
           </a:p>
@@ -2351,7 +2352,7 @@
           <a:p>
             <a:fld id="{C80E15A5-E95B-43EB-9AC7-9A96397448C0}" type="datetimeFigureOut">
               <a:rPr lang="nl-BE" smtClean="0"/>
-              <a:t>1/09/2023</a:t>
+              <a:t>22/10/2023</a:t>
             </a:fld>
             <a:endParaRPr lang="nl-BE"/>
           </a:p>
@@ -2583,7 +2584,7 @@
           <a:p>
             <a:fld id="{C80E15A5-E95B-43EB-9AC7-9A96397448C0}" type="datetimeFigureOut">
               <a:rPr lang="nl-BE" smtClean="0"/>
-              <a:t>1/09/2023</a:t>
+              <a:t>22/10/2023</a:t>
             </a:fld>
             <a:endParaRPr lang="nl-BE"/>
           </a:p>
@@ -2950,7 +2951,7 @@
           <a:p>
             <a:fld id="{C80E15A5-E95B-43EB-9AC7-9A96397448C0}" type="datetimeFigureOut">
               <a:rPr lang="nl-BE" smtClean="0"/>
-              <a:t>1/09/2023</a:t>
+              <a:t>22/10/2023</a:t>
             </a:fld>
             <a:endParaRPr lang="nl-BE"/>
           </a:p>
@@ -3068,7 +3069,7 @@
           <a:p>
             <a:fld id="{C80E15A5-E95B-43EB-9AC7-9A96397448C0}" type="datetimeFigureOut">
               <a:rPr lang="nl-BE" smtClean="0"/>
-              <a:t>1/09/2023</a:t>
+              <a:t>22/10/2023</a:t>
             </a:fld>
             <a:endParaRPr lang="nl-BE"/>
           </a:p>
@@ -3163,7 +3164,7 @@
           <a:p>
             <a:fld id="{C80E15A5-E95B-43EB-9AC7-9A96397448C0}" type="datetimeFigureOut">
               <a:rPr lang="nl-BE" smtClean="0"/>
-              <a:t>1/09/2023</a:t>
+              <a:t>22/10/2023</a:t>
             </a:fld>
             <a:endParaRPr lang="nl-BE"/>
           </a:p>
@@ -3440,7 +3441,7 @@
           <a:p>
             <a:fld id="{C80E15A5-E95B-43EB-9AC7-9A96397448C0}" type="datetimeFigureOut">
               <a:rPr lang="nl-BE" smtClean="0"/>
-              <a:t>1/09/2023</a:t>
+              <a:t>22/10/2023</a:t>
             </a:fld>
             <a:endParaRPr lang="nl-BE"/>
           </a:p>
@@ -3693,7 +3694,7 @@
           <a:p>
             <a:fld id="{C80E15A5-E95B-43EB-9AC7-9A96397448C0}" type="datetimeFigureOut">
               <a:rPr lang="nl-BE" smtClean="0"/>
-              <a:t>1/09/2023</a:t>
+              <a:t>22/10/2023</a:t>
             </a:fld>
             <a:endParaRPr lang="nl-BE"/>
           </a:p>
@@ -3906,7 +3907,7 @@
           <a:p>
             <a:fld id="{C80E15A5-E95B-43EB-9AC7-9A96397448C0}" type="datetimeFigureOut">
               <a:rPr lang="nl-BE" smtClean="0"/>
-              <a:t>1/09/2023</a:t>
+              <a:t>22/10/2023</a:t>
             </a:fld>
             <a:endParaRPr lang="nl-BE"/>
           </a:p>
@@ -4488,6 +4489,91 @@
     <p:extLst>
       <p:ext uri="{BB962C8B-B14F-4D97-AF65-F5344CB8AC3E}">
         <p14:creationId xmlns:p14="http://schemas.microsoft.com/office/powerpoint/2010/main" val="2323350583"/>
+      </p:ext>
+    </p:extLst>
+  </p:cSld>
+  <p:clrMapOvr>
+    <a:masterClrMapping/>
+  </p:clrMapOvr>
+</p:sld>
+</file>
+
+<file path=ppt/slides/slide10.xml><?xml version="1.0" encoding="utf-8"?>
+<p:sld xmlns:a="http://schemas.openxmlformats.org/drawingml/2006/main" xmlns:r="http://schemas.openxmlformats.org/officeDocument/2006/relationships" xmlns:p="http://schemas.openxmlformats.org/presentationml/2006/main">
+  <p:cSld>
+    <p:spTree>
+      <p:nvGrpSpPr>
+        <p:cNvPr id="1" name=""/>
+        <p:cNvGrpSpPr/>
+        <p:nvPr/>
+      </p:nvGrpSpPr>
+      <p:grpSpPr>
+        <a:xfrm>
+          <a:off x="0" y="0"/>
+          <a:ext cx="0" cy="0"/>
+          <a:chOff x="0" y="0"/>
+          <a:chExt cx="0" cy="0"/>
+        </a:xfrm>
+      </p:grpSpPr>
+      <p:sp>
+        <p:nvSpPr>
+          <p:cNvPr id="4" name="Título 1">
+            <a:extLst>
+              <a:ext uri="{FF2B5EF4-FFF2-40B4-BE49-F238E27FC236}">
+                <a16:creationId xmlns:a16="http://schemas.microsoft.com/office/drawing/2014/main" id="{32666AC8-2E17-4DB4-B0F5-60C640CCFD2E}"/>
+              </a:ext>
+            </a:extLst>
+          </p:cNvPr>
+          <p:cNvSpPr txBox="1">
+            <a:spLocks/>
+          </p:cNvSpPr>
+          <p:nvPr/>
+        </p:nvSpPr>
+        <p:spPr>
+          <a:xfrm>
+            <a:off x="1431533" y="2720526"/>
+            <a:ext cx="9144000" cy="1029541"/>
+          </a:xfrm>
+          <a:prstGeom prst="rect">
+            <a:avLst/>
+          </a:prstGeom>
+        </p:spPr>
+        <p:txBody>
+          <a:bodyPr vert="horz" lIns="91440" tIns="45720" rIns="91440" bIns="45720" rtlCol="0" anchor="ctr">
+            <a:normAutofit/>
+          </a:bodyPr>
+          <a:lstStyle>
+            <a:lvl1pPr algn="l" defTabSz="914400" rtl="0" eaLnBrk="1" latinLnBrk="0" hangingPunct="1">
+              <a:lnSpc>
+                <a:spcPct val="90000"/>
+              </a:lnSpc>
+              <a:spcBef>
+                <a:spcPct val="0"/>
+              </a:spcBef>
+              <a:buNone/>
+              <a:defRPr sz="4400" kern="1200">
+                <a:solidFill>
+                  <a:schemeClr val="tx1"/>
+                </a:solidFill>
+                <a:latin typeface="+mj-lt"/>
+                <a:ea typeface="+mj-ea"/>
+                <a:cs typeface="+mj-cs"/>
+              </a:defRPr>
+            </a:lvl1pPr>
+          </a:lstStyle>
+          <a:p>
+            <a:pPr algn="ctr"/>
+            <a:r>
+              <a:rPr lang="pt-BR" sz="6600" dirty="0"/>
+              <a:t>Obrigado!</a:t>
+            </a:r>
+          </a:p>
+        </p:txBody>
+      </p:sp>
+    </p:spTree>
+    <p:extLst>
+      <p:ext uri="{BB962C8B-B14F-4D97-AF65-F5344CB8AC3E}">
+        <p14:creationId xmlns:p14="http://schemas.microsoft.com/office/powerpoint/2010/main" val="309872539"/>
       </p:ext>
     </p:extLst>
   </p:cSld>
@@ -10241,55 +10327,87 @@
       </p:grpSpPr>
       <p:sp>
         <p:nvSpPr>
-          <p:cNvPr id="4" name="Título 1">
+          <p:cNvPr id="2" name="Título 1">
             <a:extLst>
               <a:ext uri="{FF2B5EF4-FFF2-40B4-BE49-F238E27FC236}">
-                <a16:creationId xmlns:a16="http://schemas.microsoft.com/office/drawing/2014/main" id="{32666AC8-2E17-4DB4-B0F5-60C640CCFD2E}"/>
+                <a16:creationId xmlns:a16="http://schemas.microsoft.com/office/drawing/2014/main" id="{228C5912-41F7-3B0D-45DF-A635AC253AF5}"/>
               </a:ext>
             </a:extLst>
           </p:cNvPr>
-          <p:cNvSpPr txBox="1">
-            <a:spLocks/>
+          <p:cNvSpPr>
+            <a:spLocks noGrp="1"/>
           </p:cNvSpPr>
-          <p:nvPr/>
+          <p:nvPr>
+            <p:ph type="title"/>
+          </p:nvPr>
+        </p:nvSpPr>
+        <p:spPr/>
+        <p:txBody>
+          <a:bodyPr/>
+          <a:lstStyle/>
+          <a:p>
+            <a:r>
+              <a:rPr lang="pt-BR" dirty="0"/>
+              <a:t>Variações do formato da superfície de erro</a:t>
+            </a:r>
+          </a:p>
+        </p:txBody>
+      </p:sp>
+      <p:sp>
+        <p:nvSpPr>
+          <p:cNvPr id="3" name="Espaço Reservado para Conteúdo 2">
+            <a:extLst>
+              <a:ext uri="{FF2B5EF4-FFF2-40B4-BE49-F238E27FC236}">
+                <a16:creationId xmlns:a16="http://schemas.microsoft.com/office/drawing/2014/main" id="{40EAE42E-6F6B-B5D1-B3C0-A5A6F1981459}"/>
+              </a:ext>
+            </a:extLst>
+          </p:cNvPr>
+          <p:cNvSpPr>
+            <a:spLocks noGrp="1"/>
+          </p:cNvSpPr>
+          <p:nvPr>
+            <p:ph idx="1"/>
+          </p:nvPr>
         </p:nvSpPr>
         <p:spPr>
           <a:xfrm>
-            <a:off x="1431533" y="2720526"/>
-            <a:ext cx="9144000" cy="1029541"/>
+            <a:off x="838200" y="1825624"/>
+            <a:ext cx="11059274" cy="5032375"/>
           </a:xfrm>
-          <a:prstGeom prst="rect">
-            <a:avLst/>
-          </a:prstGeom>
         </p:spPr>
         <p:txBody>
-          <a:bodyPr vert="horz" lIns="91440" tIns="45720" rIns="91440" bIns="45720" rtlCol="0" anchor="ctr">
-            <a:normAutofit/>
+          <a:bodyPr>
+            <a:normAutofit lnSpcReduction="10000"/>
           </a:bodyPr>
-          <a:lstStyle>
-            <a:lvl1pPr algn="l" defTabSz="914400" rtl="0" eaLnBrk="1" latinLnBrk="0" hangingPunct="1">
-              <a:lnSpc>
-                <a:spcPct val="90000"/>
-              </a:lnSpc>
-              <a:spcBef>
-                <a:spcPct val="0"/>
-              </a:spcBef>
-              <a:buNone/>
-              <a:defRPr sz="4400" kern="1200">
-                <a:solidFill>
-                  <a:schemeClr val="tx1"/>
-                </a:solidFill>
-                <a:latin typeface="+mj-lt"/>
-                <a:ea typeface="+mj-ea"/>
-                <a:cs typeface="+mj-cs"/>
-              </a:defRPr>
-            </a:lvl1pPr>
-          </a:lstStyle>
-          <a:p>
-            <a:pPr algn="ctr"/>
-            <a:r>
-              <a:rPr lang="pt-BR" sz="6600" dirty="0"/>
-              <a:t>Obrigado!</a:t>
+          <a:lstStyle/>
+          <a:p>
+            <a:r>
+              <a:rPr lang="pt-BR" dirty="0"/>
+              <a:t>Nós veremos em breve que superfícies com formato de vale têm uma influência negativa na convergência do algoritmo de otimização iterativo que iremos utilizar.</a:t>
+            </a:r>
+          </a:p>
+          <a:p>
+            <a:r>
+              <a:rPr lang="pt-BR" dirty="0"/>
+              <a:t>Essas superfícies fazem com que a convergência seja lenta, levando muito tempo para que encontremos o melhor modelo.</a:t>
+            </a:r>
+          </a:p>
+          <a:p>
+            <a:r>
+              <a:rPr lang="pt-BR" dirty="0"/>
+              <a:t>A convergência se torna lenta devido à inclinação da superfície ser diferente nas direções dos pesos.</a:t>
+            </a:r>
+          </a:p>
+          <a:p>
+            <a:r>
+              <a:rPr lang="pt-BR" dirty="0"/>
+              <a:t>Em uma das direções a inclinação é grande, mas em outra ela é praticamente nula.</a:t>
+            </a:r>
+          </a:p>
+          <a:p>
+            <a:r>
+              <a:rPr lang="pt-BR" dirty="0"/>
+              <a:t>Veremos também que o melhor formato para a superfície de erro é o de uma tigela, pois sua inclinação é grande e similar em todas as direções, fazendo com que a convergência seja rápida.</a:t>
             </a:r>
           </a:p>
         </p:txBody>
@@ -10297,7 +10415,7 @@
     </p:spTree>
     <p:extLst>
       <p:ext uri="{BB962C8B-B14F-4D97-AF65-F5344CB8AC3E}">
-        <p14:creationId xmlns:p14="http://schemas.microsoft.com/office/powerpoint/2010/main" val="309872539"/>
+        <p14:creationId xmlns:p14="http://schemas.microsoft.com/office/powerpoint/2010/main" val="2525485541"/>
       </p:ext>
     </p:extLst>
   </p:cSld>

--- a/slides/T319_Regressão_Linear (Variações do formato da superfície de erro).pptx
+++ b/slides/T319_Regressão_Linear (Variações do formato da superfície de erro).pptx
@@ -533,7 +533,7 @@
           <a:p>
             <a:fld id="{DAF0AF11-6A8A-4E64-94F5-26D4FBA2A01D}" type="datetimeFigureOut">
               <a:rPr lang="nl-BE" smtClean="0"/>
-              <a:t>22/10/2023</a:t>
+              <a:t>25/10/2023</a:t>
             </a:fld>
             <a:endParaRPr lang="nl-BE"/>
           </a:p>
@@ -1586,7 +1586,7 @@
           <a:p>
             <a:fld id="{C80E15A5-E95B-43EB-9AC7-9A96397448C0}" type="datetimeFigureOut">
               <a:rPr lang="nl-BE" smtClean="0"/>
-              <a:t>22/10/2023</a:t>
+              <a:t>25/10/2023</a:t>
             </a:fld>
             <a:endParaRPr lang="nl-BE"/>
           </a:p>
@@ -1756,7 +1756,7 @@
           <a:p>
             <a:fld id="{C80E15A5-E95B-43EB-9AC7-9A96397448C0}" type="datetimeFigureOut">
               <a:rPr lang="nl-BE" smtClean="0"/>
-              <a:t>22/10/2023</a:t>
+              <a:t>25/10/2023</a:t>
             </a:fld>
             <a:endParaRPr lang="nl-BE"/>
           </a:p>
@@ -1936,7 +1936,7 @@
           <a:p>
             <a:fld id="{C80E15A5-E95B-43EB-9AC7-9A96397448C0}" type="datetimeFigureOut">
               <a:rPr lang="nl-BE" smtClean="0"/>
-              <a:t>22/10/2023</a:t>
+              <a:t>25/10/2023</a:t>
             </a:fld>
             <a:endParaRPr lang="nl-BE"/>
           </a:p>
@@ -2106,7 +2106,7 @@
           <a:p>
             <a:fld id="{C80E15A5-E95B-43EB-9AC7-9A96397448C0}" type="datetimeFigureOut">
               <a:rPr lang="nl-BE" smtClean="0"/>
-              <a:t>22/10/2023</a:t>
+              <a:t>25/10/2023</a:t>
             </a:fld>
             <a:endParaRPr lang="nl-BE"/>
           </a:p>
@@ -2352,7 +2352,7 @@
           <a:p>
             <a:fld id="{C80E15A5-E95B-43EB-9AC7-9A96397448C0}" type="datetimeFigureOut">
               <a:rPr lang="nl-BE" smtClean="0"/>
-              <a:t>22/10/2023</a:t>
+              <a:t>25/10/2023</a:t>
             </a:fld>
             <a:endParaRPr lang="nl-BE"/>
           </a:p>
@@ -2584,7 +2584,7 @@
           <a:p>
             <a:fld id="{C80E15A5-E95B-43EB-9AC7-9A96397448C0}" type="datetimeFigureOut">
               <a:rPr lang="nl-BE" smtClean="0"/>
-              <a:t>22/10/2023</a:t>
+              <a:t>25/10/2023</a:t>
             </a:fld>
             <a:endParaRPr lang="nl-BE"/>
           </a:p>
@@ -2951,7 +2951,7 @@
           <a:p>
             <a:fld id="{C80E15A5-E95B-43EB-9AC7-9A96397448C0}" type="datetimeFigureOut">
               <a:rPr lang="nl-BE" smtClean="0"/>
-              <a:t>22/10/2023</a:t>
+              <a:t>25/10/2023</a:t>
             </a:fld>
             <a:endParaRPr lang="nl-BE"/>
           </a:p>
@@ -3069,7 +3069,7 @@
           <a:p>
             <a:fld id="{C80E15A5-E95B-43EB-9AC7-9A96397448C0}" type="datetimeFigureOut">
               <a:rPr lang="nl-BE" smtClean="0"/>
-              <a:t>22/10/2023</a:t>
+              <a:t>25/10/2023</a:t>
             </a:fld>
             <a:endParaRPr lang="nl-BE"/>
           </a:p>
@@ -3164,7 +3164,7 @@
           <a:p>
             <a:fld id="{C80E15A5-E95B-43EB-9AC7-9A96397448C0}" type="datetimeFigureOut">
               <a:rPr lang="nl-BE" smtClean="0"/>
-              <a:t>22/10/2023</a:t>
+              <a:t>25/10/2023</a:t>
             </a:fld>
             <a:endParaRPr lang="nl-BE"/>
           </a:p>
@@ -3441,7 +3441,7 @@
           <a:p>
             <a:fld id="{C80E15A5-E95B-43EB-9AC7-9A96397448C0}" type="datetimeFigureOut">
               <a:rPr lang="nl-BE" smtClean="0"/>
-              <a:t>22/10/2023</a:t>
+              <a:t>25/10/2023</a:t>
             </a:fld>
             <a:endParaRPr lang="nl-BE"/>
           </a:p>
@@ -3694,7 +3694,7 @@
           <a:p>
             <a:fld id="{C80E15A5-E95B-43EB-9AC7-9A96397448C0}" type="datetimeFigureOut">
               <a:rPr lang="nl-BE" smtClean="0"/>
-              <a:t>22/10/2023</a:t>
+              <a:t>25/10/2023</a:t>
             </a:fld>
             <a:endParaRPr lang="nl-BE"/>
           </a:p>
@@ -3907,7 +3907,7 @@
           <a:p>
             <a:fld id="{C80E15A5-E95B-43EB-9AC7-9A96397448C0}" type="datetimeFigureOut">
               <a:rPr lang="nl-BE" smtClean="0"/>
-              <a:t>22/10/2023</a:t>
+              <a:t>25/10/2023</a:t>
             </a:fld>
             <a:endParaRPr lang="nl-BE"/>
           </a:p>
@@ -4807,6 +4807,10 @@
                     </a:solidFill>
                   </a:rPr>
                   <a:t>vale</a:t>
+                </a:r>
+                <a:r>
+                  <a:rPr lang="pt-BR" dirty="0"/>
+                  <a:t> (se assemelham a um V ou U)</a:t>
                 </a:r>
                 <a:r>
                   <a:rPr lang="pt-BR" dirty="0">
@@ -7478,8 +7482,8 @@
           </a:p>
         </p:txBody>
       </p:sp>
-      <mc:AlternateContent xmlns:mc="http://schemas.openxmlformats.org/markup-compatibility/2006" xmlns:a14="http://schemas.microsoft.com/office/drawing/2010/main">
-        <mc:Choice Requires="a14">
+      <mc:AlternateContent xmlns:mc="http://schemas.openxmlformats.org/markup-compatibility/2006">
+        <mc:Choice xmlns:a14="http://schemas.microsoft.com/office/drawing/2010/main" Requires="a14">
           <p:sp>
             <p:nvSpPr>
               <p:cNvPr id="3" name="Espaço Reservado para Conteúdo 2">
@@ -7498,13 +7502,13 @@
             </p:nvSpPr>
             <p:spPr>
               <a:xfrm>
-                <a:off x="838200" y="1825623"/>
-                <a:ext cx="11046140" cy="2567162"/>
+                <a:off x="838200" y="1690688"/>
+                <a:ext cx="11182564" cy="2702097"/>
               </a:xfrm>
             </p:spPr>
             <p:txBody>
               <a:bodyPr>
-                <a:normAutofit fontScale="92500" lnSpcReduction="10000"/>
+                <a:normAutofit fontScale="77500" lnSpcReduction="20000"/>
               </a:bodyPr>
               <a:lstStyle/>
               <a:p>
@@ -7720,6 +7724,61 @@
                 </a:r>
               </a:p>
               <a:p>
+                <a:pPr lvl="1">
+                  <a:buFont typeface="Wingdings" panose="05000000000000000000" pitchFamily="2" charset="2"/>
+                  <a:buChar char="§"/>
+                </a:pPr>
+                <a:r>
+                  <a:rPr lang="pt-BR" dirty="0"/>
+                  <a:t>A superfície tem inclinação maior no sentido do peso </a:t>
+                </a:r>
+                <a14:m>
+                  <m:oMath xmlns:m="http://schemas.openxmlformats.org/officeDocument/2006/math">
+                    <m:sSub>
+                      <m:sSubPr>
+                        <m:ctrlPr>
+                          <a:rPr lang="pt-BR" i="1" smtClean="0">
+                            <a:latin typeface="Cambria Math" panose="02040503050406030204" pitchFamily="18" charset="0"/>
+                          </a:rPr>
+                        </m:ctrlPr>
+                      </m:sSubPr>
+                      <m:e>
+                        <m:acc>
+                          <m:accPr>
+                            <m:chr m:val="̂"/>
+                            <m:ctrlPr>
+                              <a:rPr lang="pt-BR" i="1" smtClean="0">
+                                <a:latin typeface="Cambria Math" panose="02040503050406030204" pitchFamily="18" charset="0"/>
+                              </a:rPr>
+                            </m:ctrlPr>
+                          </m:accPr>
+                          <m:e>
+                            <m:r>
+                              <a:rPr lang="pt-BR" b="0" i="1" smtClean="0">
+                                <a:latin typeface="Cambria Math" panose="02040503050406030204" pitchFamily="18" charset="0"/>
+                              </a:rPr>
+                              <m:t>𝑎</m:t>
+                            </m:r>
+                          </m:e>
+                        </m:acc>
+                      </m:e>
+                      <m:sub>
+                        <m:r>
+                          <a:rPr lang="pt-BR" b="0" i="1" smtClean="0">
+                            <a:latin typeface="Cambria Math" panose="02040503050406030204" pitchFamily="18" charset="0"/>
+                          </a:rPr>
+                          <m:t>1</m:t>
+                        </m:r>
+                      </m:sub>
+                    </m:sSub>
+                  </m:oMath>
+                </a14:m>
+                <a:r>
+                  <a:rPr lang="pt-BR" dirty="0"/>
+                  <a:t>.</a:t>
+                </a:r>
+              </a:p>
+              <a:p>
                 <a:r>
                   <a:rPr lang="pt-BR" dirty="0"/>
                   <a:t>O erro varia bem mais lentamente com variações de </a:t>
@@ -7771,6 +7830,61 @@
                 </a:r>
               </a:p>
               <a:p>
+                <a:pPr lvl="1">
+                  <a:buFont typeface="Wingdings" panose="05000000000000000000" pitchFamily="2" charset="2"/>
+                  <a:buChar char="§"/>
+                </a:pPr>
+                <a:r>
+                  <a:rPr lang="pt-BR" dirty="0"/>
+                  <a:t>A inclinação da superfície é bem menor no sentido de </a:t>
+                </a:r>
+                <a14:m>
+                  <m:oMath xmlns:m="http://schemas.openxmlformats.org/officeDocument/2006/math">
+                    <m:sSub>
+                      <m:sSubPr>
+                        <m:ctrlPr>
+                          <a:rPr lang="pt-BR" i="1" smtClean="0">
+                            <a:latin typeface="Cambria Math" panose="02040503050406030204" pitchFamily="18" charset="0"/>
+                          </a:rPr>
+                        </m:ctrlPr>
+                      </m:sSubPr>
+                      <m:e>
+                        <m:acc>
+                          <m:accPr>
+                            <m:chr m:val="̂"/>
+                            <m:ctrlPr>
+                              <a:rPr lang="pt-BR" i="1" smtClean="0">
+                                <a:latin typeface="Cambria Math" panose="02040503050406030204" pitchFamily="18" charset="0"/>
+                              </a:rPr>
+                            </m:ctrlPr>
+                          </m:accPr>
+                          <m:e>
+                            <m:r>
+                              <a:rPr lang="pt-BR" b="0" i="1" smtClean="0">
+                                <a:latin typeface="Cambria Math" panose="02040503050406030204" pitchFamily="18" charset="0"/>
+                              </a:rPr>
+                              <m:t>𝑎</m:t>
+                            </m:r>
+                          </m:e>
+                        </m:acc>
+                      </m:e>
+                      <m:sub>
+                        <m:r>
+                          <a:rPr lang="pt-BR" b="0" i="1" smtClean="0">
+                            <a:latin typeface="Cambria Math" panose="02040503050406030204" pitchFamily="18" charset="0"/>
+                          </a:rPr>
+                          <m:t>2</m:t>
+                        </m:r>
+                      </m:sub>
+                    </m:sSub>
+                  </m:oMath>
+                </a14:m>
+                <a:r>
+                  <a:rPr lang="pt-BR" dirty="0"/>
+                  <a:t>.</a:t>
+                </a:r>
+              </a:p>
+              <a:p>
                 <a:r>
                   <a:rPr lang="pt-BR" dirty="0"/>
                   <a:t>A abertura do vale está no sentido de </a:t>
@@ -7824,7 +7938,7 @@
             </p:txBody>
           </p:sp>
         </mc:Choice>
-        <mc:Fallback xmlns="">
+        <mc:Fallback>
           <p:sp>
             <p:nvSpPr>
               <p:cNvPr id="3" name="Espaço Reservado para Conteúdo 2">
@@ -7843,13 +7957,13 @@
             </p:nvSpPr>
             <p:spPr>
               <a:xfrm>
-                <a:off x="838200" y="1825623"/>
-                <a:ext cx="11046140" cy="2567162"/>
+                <a:off x="838200" y="1690688"/>
+                <a:ext cx="11182564" cy="2702097"/>
               </a:xfrm>
               <a:blipFill>
                 <a:blip r:embed="rId3"/>
                 <a:stretch>
-                  <a:fillRect l="-883" t="-4739" b="-3791"/>
+                  <a:fillRect l="-654" t="-4505"/>
                 </a:stretch>
               </a:blipFill>
             </p:spPr>
@@ -8489,8 +8603,8 @@
           </a:p>
         </p:txBody>
       </p:sp>
-      <mc:AlternateContent xmlns:mc="http://schemas.openxmlformats.org/markup-compatibility/2006" xmlns:a14="http://schemas.microsoft.com/office/drawing/2010/main">
-        <mc:Choice Requires="a14">
+      <mc:AlternateContent xmlns:mc="http://schemas.openxmlformats.org/markup-compatibility/2006">
+        <mc:Choice xmlns:a14="http://schemas.microsoft.com/office/drawing/2010/main" Requires="a14">
           <p:sp>
             <p:nvSpPr>
               <p:cNvPr id="3" name="Espaço Reservado para Conteúdo 2">
@@ -8510,12 +8624,12 @@
             <p:spPr>
               <a:xfrm>
                 <a:off x="838200" y="1825625"/>
-                <a:ext cx="10515600" cy="2378513"/>
+                <a:ext cx="10515600" cy="2609932"/>
               </a:xfrm>
             </p:spPr>
             <p:txBody>
               <a:bodyPr>
-                <a:normAutofit lnSpcReduction="10000"/>
+                <a:normAutofit fontScale="92500" lnSpcReduction="20000"/>
               </a:bodyPr>
               <a:lstStyle/>
               <a:p>
@@ -8654,6 +8768,61 @@
                 </a:r>
               </a:p>
               <a:p>
+                <a:pPr lvl="1">
+                  <a:buFont typeface="Wingdings" panose="05000000000000000000" pitchFamily="2" charset="2"/>
+                  <a:buChar char="§"/>
+                </a:pPr>
+                <a:r>
+                  <a:rPr lang="pt-BR" dirty="0"/>
+                  <a:t>A superfície tem inclinação maior no sentido do peso </a:t>
+                </a:r>
+                <a14:m>
+                  <m:oMath xmlns:m="http://schemas.openxmlformats.org/officeDocument/2006/math">
+                    <m:sSub>
+                      <m:sSubPr>
+                        <m:ctrlPr>
+                          <a:rPr lang="pt-BR" i="1" smtClean="0">
+                            <a:latin typeface="Cambria Math" panose="02040503050406030204" pitchFamily="18" charset="0"/>
+                          </a:rPr>
+                        </m:ctrlPr>
+                      </m:sSubPr>
+                      <m:e>
+                        <m:acc>
+                          <m:accPr>
+                            <m:chr m:val="̂"/>
+                            <m:ctrlPr>
+                              <a:rPr lang="pt-BR" i="1" smtClean="0">
+                                <a:latin typeface="Cambria Math" panose="02040503050406030204" pitchFamily="18" charset="0"/>
+                              </a:rPr>
+                            </m:ctrlPr>
+                          </m:accPr>
+                          <m:e>
+                            <m:r>
+                              <a:rPr lang="pt-BR" b="0" i="1" smtClean="0">
+                                <a:latin typeface="Cambria Math" panose="02040503050406030204" pitchFamily="18" charset="0"/>
+                              </a:rPr>
+                              <m:t>𝑎</m:t>
+                            </m:r>
+                          </m:e>
+                        </m:acc>
+                      </m:e>
+                      <m:sub>
+                        <m:r>
+                          <a:rPr lang="pt-BR" b="0" i="1" smtClean="0">
+                            <a:latin typeface="Cambria Math" panose="02040503050406030204" pitchFamily="18" charset="0"/>
+                          </a:rPr>
+                          <m:t>2</m:t>
+                        </m:r>
+                      </m:sub>
+                    </m:sSub>
+                  </m:oMath>
+                </a14:m>
+                <a:r>
+                  <a:rPr lang="pt-BR" dirty="0"/>
+                  <a:t>.</a:t>
+                </a:r>
+              </a:p>
+              <a:p>
                 <a:r>
                   <a:rPr lang="pt-BR" dirty="0"/>
                   <a:t>O erro varia bem mais lentamente com variações de </a:t>
@@ -8705,6 +8874,61 @@
                 </a:r>
               </a:p>
               <a:p>
+                <a:pPr lvl="1">
+                  <a:buFont typeface="Wingdings" panose="05000000000000000000" pitchFamily="2" charset="2"/>
+                  <a:buChar char="§"/>
+                </a:pPr>
+                <a:r>
+                  <a:rPr lang="pt-BR" dirty="0"/>
+                  <a:t>A inclinação da superfície é bem menor no sentido de </a:t>
+                </a:r>
+                <a14:m>
+                  <m:oMath xmlns:m="http://schemas.openxmlformats.org/officeDocument/2006/math">
+                    <m:sSub>
+                      <m:sSubPr>
+                        <m:ctrlPr>
+                          <a:rPr lang="pt-BR" i="1" smtClean="0">
+                            <a:latin typeface="Cambria Math" panose="02040503050406030204" pitchFamily="18" charset="0"/>
+                          </a:rPr>
+                        </m:ctrlPr>
+                      </m:sSubPr>
+                      <m:e>
+                        <m:acc>
+                          <m:accPr>
+                            <m:chr m:val="̂"/>
+                            <m:ctrlPr>
+                              <a:rPr lang="pt-BR" i="1" smtClean="0">
+                                <a:latin typeface="Cambria Math" panose="02040503050406030204" pitchFamily="18" charset="0"/>
+                              </a:rPr>
+                            </m:ctrlPr>
+                          </m:accPr>
+                          <m:e>
+                            <m:r>
+                              <a:rPr lang="pt-BR" b="0" i="1" smtClean="0">
+                                <a:latin typeface="Cambria Math" panose="02040503050406030204" pitchFamily="18" charset="0"/>
+                              </a:rPr>
+                              <m:t>𝑎</m:t>
+                            </m:r>
+                          </m:e>
+                        </m:acc>
+                      </m:e>
+                      <m:sub>
+                        <m:r>
+                          <a:rPr lang="pt-BR" b="0" i="1" smtClean="0">
+                            <a:latin typeface="Cambria Math" panose="02040503050406030204" pitchFamily="18" charset="0"/>
+                          </a:rPr>
+                          <m:t>1</m:t>
+                        </m:r>
+                      </m:sub>
+                    </m:sSub>
+                  </m:oMath>
+                </a14:m>
+                <a:r>
+                  <a:rPr lang="pt-BR" dirty="0"/>
+                  <a:t>.</a:t>
+                </a:r>
+              </a:p>
+              <a:p>
                 <a:r>
                   <a:rPr lang="pt-BR" dirty="0"/>
                   <a:t>A abertura do vale está no sentido de </a:t>
@@ -8758,7 +8982,7 @@
             </p:txBody>
           </p:sp>
         </mc:Choice>
-        <mc:Fallback xmlns="">
+        <mc:Fallback>
           <p:sp>
             <p:nvSpPr>
               <p:cNvPr id="3" name="Espaço Reservado para Conteúdo 2">
@@ -8778,12 +9002,12 @@
             <p:spPr>
               <a:xfrm>
                 <a:off x="838200" y="1825625"/>
-                <a:ext cx="10515600" cy="2378513"/>
+                <a:ext cx="10515600" cy="2609932"/>
               </a:xfrm>
               <a:blipFill>
                 <a:blip r:embed="rId3"/>
                 <a:stretch>
-                  <a:fillRect l="-1043" t="-5627"/>
+                  <a:fillRect l="-928" t="-5828" b="-699"/>
                 </a:stretch>
               </a:blipFill>
             </p:spPr>
@@ -9430,8 +9654,8 @@
           </a:p>
         </p:txBody>
       </p:sp>
-      <mc:AlternateContent xmlns:mc="http://schemas.openxmlformats.org/markup-compatibility/2006" xmlns:a14="http://schemas.microsoft.com/office/drawing/2010/main">
-        <mc:Choice Requires="a14">
+      <mc:AlternateContent xmlns:mc="http://schemas.openxmlformats.org/markup-compatibility/2006">
+        <mc:Choice xmlns:a14="http://schemas.microsoft.com/office/drawing/2010/main" Requires="a14">
           <p:sp>
             <p:nvSpPr>
               <p:cNvPr id="3" name="Espaço Reservado para Conteúdo 2">
@@ -9450,8 +9674,8 @@
             </p:nvSpPr>
             <p:spPr>
               <a:xfrm>
-                <a:off x="838199" y="1825625"/>
-                <a:ext cx="11027979" cy="2105244"/>
+                <a:off x="838199" y="1825624"/>
+                <a:ext cx="11027979" cy="2518435"/>
               </a:xfrm>
             </p:spPr>
             <p:txBody>
@@ -9741,10 +9965,20 @@
                   <a:t>.</a:t>
                 </a:r>
               </a:p>
+              <a:p>
+                <a:pPr lvl="1">
+                  <a:buFont typeface="Wingdings" panose="05000000000000000000" pitchFamily="2" charset="2"/>
+                  <a:buChar char="§"/>
+                </a:pPr>
+                <a:r>
+                  <a:rPr lang="pt-BR" dirty="0"/>
+                  <a:t>A superfície tem inclinação semelhante em ambas as direções.</a:t>
+                </a:r>
+              </a:p>
             </p:txBody>
           </p:sp>
         </mc:Choice>
-        <mc:Fallback xmlns="">
+        <mc:Fallback>
           <p:sp>
             <p:nvSpPr>
               <p:cNvPr id="3" name="Espaço Reservado para Conteúdo 2">
@@ -9763,13 +9997,13 @@
             </p:nvSpPr>
             <p:spPr>
               <a:xfrm>
-                <a:off x="838199" y="1825625"/>
-                <a:ext cx="11027979" cy="2105244"/>
+                <a:off x="838199" y="1825624"/>
+                <a:ext cx="11027979" cy="2518435"/>
               </a:xfrm>
               <a:blipFill>
                 <a:blip r:embed="rId3"/>
                 <a:stretch>
-                  <a:fillRect l="-939" t="-6358" r="-994" b="-6069"/>
+                  <a:fillRect l="-939" t="-5314" r="-994" b="-1208"/>
                 </a:stretch>
               </a:blipFill>
             </p:spPr>
